--- a/slide_0129/20200129_urita.pptx
+++ b/slide_0129/20200129_urita.pptx
@@ -2358,30 +2358,23 @@
               <a:t>最適化</a:t>
             </a:r>
             <a:r>
-              <a:rPr lang="en-US" altLang="ja-JP" dirty="0" smtClean="0"/>
+              <a:rPr lang="en-US" altLang="ja-JP" dirty="0"/>
               <a:t/>
             </a:r>
             <a:br>
-              <a:rPr lang="en-US" altLang="ja-JP" dirty="0" smtClean="0"/>
+              <a:rPr lang="en-US" altLang="ja-JP" dirty="0"/>
             </a:br>
             <a:r>
               <a:rPr lang="ja-JP" altLang="en-US" dirty="0" smtClean="0"/>
-              <a:t>バイナリベンチマーク問題</a:t>
+              <a:t>アルゴリズムに対するバイナリベンチマーク</a:t>
+            </a:r>
+            <a:r>
+              <a:rPr lang="ja-JP" altLang="en-US" dirty="0" smtClean="0"/>
+              <a:t>問題</a:t>
             </a:r>
             <a:r>
               <a:rPr kumimoji="1" lang="ja-JP" altLang="en-US" dirty="0" smtClean="0"/>
-              <a:t>の</a:t>
-            </a:r>
-            <a:r>
-              <a:rPr kumimoji="1" lang="en-US" altLang="ja-JP" dirty="0" smtClean="0"/>
-              <a:t/>
-            </a:r>
-            <a:br>
-              <a:rPr kumimoji="1" lang="en-US" altLang="ja-JP" dirty="0" smtClean="0"/>
-            </a:br>
-            <a:r>
-              <a:rPr kumimoji="1" lang="ja-JP" altLang="en-US" dirty="0" smtClean="0"/>
-              <a:t>提案</a:t>
+              <a:t>の提案</a:t>
             </a:r>
             <a:endParaRPr kumimoji="1" lang="ja-JP" altLang="en-US" dirty="0"/>
           </a:p>
@@ -2572,14 +2565,22 @@
             </a:r>
             <a:r>
               <a:rPr lang="ja-JP" altLang="en-US" dirty="0" smtClean="0"/>
-              <a:t>を加えず，制約のみを変化させたタスクを作成する</a:t>
-            </a:r>
-            <a:endParaRPr kumimoji="1" lang="ja-JP" altLang="en-US" dirty="0"/>
+              <a:t>を加えず，制約のみを変化させたタスクを</a:t>
+            </a:r>
+            <a:r>
+              <a:rPr lang="ja-JP" altLang="en-US" smtClean="0"/>
+              <a:t>作成する</a:t>
+            </a:r>
+            <a:r>
+              <a:rPr lang="ja-JP" altLang="en-US"/>
+              <a:t>．</a:t>
+            </a:r>
+            <a:endParaRPr lang="en-US" altLang="ja-JP" smtClean="0"/>
           </a:p>
         </p:txBody>
       </p:sp>
-      <mc:AlternateContent xmlns:mc="http://schemas.openxmlformats.org/markup-compatibility/2006">
-        <mc:Choice xmlns:a14="http://schemas.microsoft.com/office/drawing/2010/main" Requires="a14">
+      <mc:AlternateContent xmlns:mc="http://schemas.openxmlformats.org/markup-compatibility/2006" xmlns:a14="http://schemas.microsoft.com/office/drawing/2010/main">
+        <mc:Choice Requires="a14">
           <p:sp>
             <p:nvSpPr>
               <p:cNvPr id="2" name="テキスト ボックス 1"/>
@@ -2588,8 +2589,8 @@
             </p:nvSpPr>
             <p:spPr>
               <a:xfrm>
-                <a:off x="3267129" y="2560320"/>
-                <a:ext cx="2113271" cy="1254702"/>
+                <a:off x="3268732" y="2560320"/>
+                <a:ext cx="2110065" cy="1254702"/>
               </a:xfrm>
               <a:prstGeom prst="rect">
                 <a:avLst/>
@@ -2687,7 +2688,37 @@
                             <m:rPr>
                               <m:nor/>
                             </m:rPr>
-                            <a:rPr kumimoji="1" lang="en-US" altLang="ja-JP" sz="2800" b="0" i="1" smtClean="0">
+                            <a:rPr kumimoji="1" lang="en-US" altLang="ja-JP" sz="2800" b="0" i="1" baseline="-25000" smtClean="0">
+                              <a:latin typeface="Times New Roman" panose="02020603050405020304" pitchFamily="18" charset="0"/>
+                              <a:cs typeface="Times New Roman" panose="02020603050405020304" pitchFamily="18" charset="0"/>
+                            </a:rPr>
+                            <m:t> </m:t>
+                          </m:r>
+                          <m:r>
+                            <m:rPr>
+                              <m:nor/>
+                            </m:rPr>
+                            <a:rPr lang="en-US" altLang="ja-JP" sz="2800" b="0" i="1" smtClean="0">
+                              <a:latin typeface="Times New Roman" panose="02020603050405020304" pitchFamily="18" charset="0"/>
+                              <a:cs typeface="Times New Roman" panose="02020603050405020304" pitchFamily="18" charset="0"/>
+                            </a:rPr>
+                            <m:t>x</m:t>
+                          </m:r>
+                          <m:r>
+                            <m:rPr>
+                              <m:nor/>
+                            </m:rPr>
+                            <a:rPr lang="en-US" altLang="ja-JP" sz="2800" i="1" baseline="-25000">
+                              <a:latin typeface="Times New Roman" panose="02020603050405020304" pitchFamily="18" charset="0"/>
+                              <a:cs typeface="Times New Roman" panose="02020603050405020304" pitchFamily="18" charset="0"/>
+                            </a:rPr>
+                            <m:t>i</m:t>
+                          </m:r>
+                          <m:r>
+                            <m:rPr>
+                              <m:nor/>
+                            </m:rPr>
+                            <a:rPr lang="en-US" altLang="ja-JP" sz="2800" b="0" i="1" smtClean="0">
                               <a:latin typeface="Times New Roman" panose="02020603050405020304" pitchFamily="18" charset="0"/>
                               <a:cs typeface="Times New Roman" panose="02020603050405020304" pitchFamily="18" charset="0"/>
                             </a:rPr>
@@ -2701,23 +2732,13 @@
                               <a:latin typeface="Times New Roman" panose="02020603050405020304" pitchFamily="18" charset="0"/>
                               <a:cs typeface="Times New Roman" panose="02020603050405020304" pitchFamily="18" charset="0"/>
                             </a:rPr>
-                            <m:t>xi</m:t>
+                            <m:t>&lt; </m:t>
                           </m:r>
                           <m:r>
                             <m:rPr>
                               <m:nor/>
                             </m:rPr>
-                            <a:rPr kumimoji="1" lang="en-US" altLang="ja-JP" sz="2800" b="0" i="1" baseline="-25000" smtClean="0">
-                              <a:latin typeface="Times New Roman" panose="02020603050405020304" pitchFamily="18" charset="0"/>
-                              <a:cs typeface="Times New Roman" panose="02020603050405020304" pitchFamily="18" charset="0"/>
-                            </a:rPr>
-                            <m:t> &lt; </m:t>
-                          </m:r>
-                          <m:r>
-                            <m:rPr>
-                              <m:nor/>
-                            </m:rPr>
-                            <a:rPr kumimoji="1" lang="en-US" altLang="ja-JP" sz="2800" b="0" i="1" smtClean="0">
+                            <a:rPr lang="en-US" altLang="ja-JP" sz="2800" i="1">
                               <a:latin typeface="Times New Roman" panose="02020603050405020304" pitchFamily="18" charset="0"/>
                               <a:cs typeface="Times New Roman" panose="02020603050405020304" pitchFamily="18" charset="0"/>
                             </a:rPr>
@@ -2727,7 +2748,7 @@
                             <m:rPr>
                               <m:nor/>
                             </m:rPr>
-                            <a:rPr kumimoji="1" lang="en-US" altLang="ja-JP" sz="2800" b="0" i="1" baseline="-25000" smtClean="0">
+                            <a:rPr lang="en-US" altLang="ja-JP" sz="2800" i="1" baseline="-25000">
                               <a:latin typeface="Times New Roman" panose="02020603050405020304" pitchFamily="18" charset="0"/>
                               <a:cs typeface="Times New Roman" panose="02020603050405020304" pitchFamily="18" charset="0"/>
                             </a:rPr>
@@ -2746,7 +2767,7 @@
             </p:txBody>
           </p:sp>
         </mc:Choice>
-        <mc:Fallback>
+        <mc:Fallback xmlns="">
           <p:sp>
             <p:nvSpPr>
               <p:cNvPr id="2" name="テキスト ボックス 1"/>
@@ -2757,13 +2778,13 @@
             </p:nvSpPr>
             <p:spPr>
               <a:xfrm>
-                <a:off x="3267129" y="2560320"/>
-                <a:ext cx="2113271" cy="1254702"/>
+                <a:off x="3268732" y="2560320"/>
+                <a:ext cx="2110065" cy="1254702"/>
               </a:xfrm>
               <a:prstGeom prst="rect">
                 <a:avLst/>
               </a:prstGeom>
-              <a:blipFill>
+              <a:blipFill rotWithShape="0">
                 <a:blip r:embed="rId2"/>
                 <a:stretch>
                   <a:fillRect/>
@@ -2785,8 +2806,8 @@
           </p:sp>
         </mc:Fallback>
       </mc:AlternateContent>
-      <mc:AlternateContent xmlns:mc="http://schemas.openxmlformats.org/markup-compatibility/2006">
-        <mc:Choice xmlns:a14="http://schemas.microsoft.com/office/drawing/2010/main" Requires="a14">
+      <mc:AlternateContent xmlns:mc="http://schemas.openxmlformats.org/markup-compatibility/2006" xmlns:a14="http://schemas.microsoft.com/office/drawing/2010/main">
+        <mc:Choice Requires="a14">
           <p:sp>
             <p:nvSpPr>
               <p:cNvPr id="10" name="テキスト ボックス 9"/>
@@ -2795,8 +2816,8 @@
             </p:nvSpPr>
             <p:spPr>
               <a:xfrm>
-                <a:off x="3101218" y="4719930"/>
-                <a:ext cx="2445093" cy="1254702"/>
+                <a:off x="3116447" y="4719930"/>
+                <a:ext cx="2414635" cy="1254702"/>
               </a:xfrm>
               <a:prstGeom prst="rect">
                 <a:avLst/>
@@ -2894,7 +2915,37 @@
                             <m:rPr>
                               <m:nor/>
                             </m:rPr>
-                            <a:rPr kumimoji="1" lang="en-US" altLang="ja-JP" sz="2800" b="0" i="1" smtClean="0">
+                            <a:rPr kumimoji="1" lang="en-US" altLang="ja-JP" sz="2800" b="0" i="1" baseline="-25000" smtClean="0">
+                              <a:latin typeface="Times New Roman" panose="02020603050405020304" pitchFamily="18" charset="0"/>
+                              <a:cs typeface="Times New Roman" panose="02020603050405020304" pitchFamily="18" charset="0"/>
+                            </a:rPr>
+                            <m:t> </m:t>
+                          </m:r>
+                          <m:r>
+                            <m:rPr>
+                              <m:nor/>
+                            </m:rPr>
+                            <a:rPr lang="en-US" altLang="ja-JP" sz="2800" i="1">
+                              <a:latin typeface="Times New Roman" panose="02020603050405020304" pitchFamily="18" charset="0"/>
+                              <a:cs typeface="Times New Roman" panose="02020603050405020304" pitchFamily="18" charset="0"/>
+                            </a:rPr>
+                            <m:t>x</m:t>
+                          </m:r>
+                          <m:r>
+                            <m:rPr>
+                              <m:nor/>
+                            </m:rPr>
+                            <a:rPr lang="en-US" altLang="ja-JP" sz="2800" i="1" baseline="-25000">
+                              <a:latin typeface="Times New Roman" panose="02020603050405020304" pitchFamily="18" charset="0"/>
+                              <a:cs typeface="Times New Roman" panose="02020603050405020304" pitchFamily="18" charset="0"/>
+                            </a:rPr>
+                            <m:t>i</m:t>
+                          </m:r>
+                          <m:r>
+                            <m:rPr>
+                              <m:nor/>
+                            </m:rPr>
+                            <a:rPr lang="en-US" altLang="ja-JP" sz="2800" b="0" i="1" smtClean="0">
                               <a:latin typeface="Times New Roman" panose="02020603050405020304" pitchFamily="18" charset="0"/>
                               <a:cs typeface="Times New Roman" panose="02020603050405020304" pitchFamily="18" charset="0"/>
                             </a:rPr>
@@ -2908,17 +2959,7 @@
                               <a:latin typeface="Times New Roman" panose="02020603050405020304" pitchFamily="18" charset="0"/>
                               <a:cs typeface="Times New Roman" panose="02020603050405020304" pitchFamily="18" charset="0"/>
                             </a:rPr>
-                            <m:t>xi</m:t>
-                          </m:r>
-                          <m:r>
-                            <m:rPr>
-                              <m:nor/>
-                            </m:rPr>
-                            <a:rPr kumimoji="1" lang="en-US" altLang="ja-JP" sz="2800" b="0" i="1" smtClean="0">
-                              <a:latin typeface="Times New Roman" panose="02020603050405020304" pitchFamily="18" charset="0"/>
-                              <a:cs typeface="Times New Roman" panose="02020603050405020304" pitchFamily="18" charset="0"/>
-                            </a:rPr>
-                            <m:t> &lt; </m:t>
+                            <m:t>&lt; </m:t>
                           </m:r>
                           <m:r>
                             <m:rPr>
@@ -2976,7 +3017,7 @@
             </p:txBody>
           </p:sp>
         </mc:Choice>
-        <mc:Fallback>
+        <mc:Fallback xmlns="">
           <p:sp>
             <p:nvSpPr>
               <p:cNvPr id="10" name="テキスト ボックス 9"/>
@@ -2987,13 +3028,13 @@
             </p:nvSpPr>
             <p:spPr>
               <a:xfrm>
-                <a:off x="3101218" y="4719930"/>
-                <a:ext cx="2445093" cy="1254702"/>
+                <a:off x="3116447" y="4719930"/>
+                <a:ext cx="2414635" cy="1254702"/>
               </a:xfrm>
               <a:prstGeom prst="rect">
                 <a:avLst/>
               </a:prstGeom>
-              <a:blipFill>
+              <a:blipFill rotWithShape="0">
                 <a:blip r:embed="rId3"/>
                 <a:stretch>
                   <a:fillRect/>
@@ -3799,7 +3840,7 @@
               <a:t>2 ×</a:t>
             </a:r>
             <a:r>
-              <a:rPr lang="en-US" altLang="ja-JP" sz="2800" i="1" dirty="0" smtClean="0">
+              <a:rPr lang="en-US" altLang="ja-JP" sz="2800" i="1" dirty="0" err="1" smtClean="0">
                 <a:solidFill>
                   <a:srgbClr val="FF0000"/>
                 </a:solidFill>
@@ -3809,7 +3850,7 @@
               <a:t>a</a:t>
             </a:r>
             <a:r>
-              <a:rPr lang="en-US" altLang="ja-JP" sz="2800" baseline="-25000" dirty="0" smtClean="0">
+              <a:rPr lang="en-US" altLang="ja-JP" sz="2800" baseline="-25000" dirty="0" err="1" smtClean="0">
                 <a:solidFill>
                   <a:srgbClr val="FF0000"/>
                 </a:solidFill>
@@ -3817,7 +3858,7 @@
                 <a:cs typeface="Times New Roman" panose="02020603050405020304" pitchFamily="18" charset="0"/>
                 <a:sym typeface="Wingdings" panose="05000000000000000000" pitchFamily="2" charset="2"/>
               </a:rPr>
-              <a:t>s</a:t>
+              <a:t>S</a:t>
             </a:r>
             <a:endParaRPr lang="en-US" altLang="ja-JP" sz="2800" baseline="-25000" dirty="0">
               <a:solidFill>
@@ -3853,18 +3894,18 @@
           <a:p>
             <a:pPr algn="r"/>
             <a:r>
-              <a:rPr lang="en-US" altLang="ja-JP" sz="2400" i="1" dirty="0" smtClean="0">
+              <a:rPr lang="en-US" altLang="ja-JP" sz="2400" i="1" dirty="0" err="1" smtClean="0">
                 <a:latin typeface="Symbol" panose="05050102010706020507" pitchFamily="18" charset="2"/>
                 <a:cs typeface="Times New Roman" panose="02020603050405020304" pitchFamily="18" charset="0"/>
               </a:rPr>
               <a:t>a</a:t>
             </a:r>
             <a:r>
-              <a:rPr lang="en-US" altLang="ja-JP" sz="2400" baseline="-25000" dirty="0" smtClean="0">
+              <a:rPr lang="en-US" altLang="ja-JP" sz="2400" baseline="-25000" dirty="0" err="1" smtClean="0">
                 <a:latin typeface="Times New Roman" panose="02020603050405020304" pitchFamily="18" charset="0"/>
                 <a:cs typeface="Times New Roman" panose="02020603050405020304" pitchFamily="18" charset="0"/>
               </a:rPr>
-              <a:t>s</a:t>
+              <a:t>S</a:t>
             </a:r>
             <a:r>
               <a:rPr kumimoji="1" lang="en-US" altLang="ja-JP" sz="2400" dirty="0" smtClean="0"/>
@@ -4567,8 +4608,8 @@
           </a:p>
         </p:txBody>
       </p:sp>
-      <mc:AlternateContent xmlns:mc="http://schemas.openxmlformats.org/markup-compatibility/2006">
-        <mc:Choice xmlns:a14="http://schemas.microsoft.com/office/drawing/2010/main" Requires="a14">
+      <mc:AlternateContent xmlns:mc="http://schemas.openxmlformats.org/markup-compatibility/2006" xmlns:a14="http://schemas.microsoft.com/office/drawing/2010/main">
+        <mc:Choice Requires="a14">
           <p:sp>
             <p:nvSpPr>
               <p:cNvPr id="8" name="テキスト ボックス 7"/>
@@ -4750,7 +4791,7 @@
                               <a:latin typeface="Times New Roman" panose="02020603050405020304" pitchFamily="18" charset="0"/>
                               <a:cs typeface="Times New Roman" panose="02020603050405020304" pitchFamily="18" charset="0"/>
                             </a:rPr>
-                            <m:t>-</m:t>
+                            <m:t>−</m:t>
                           </m:r>
                           <m:r>
                             <m:rPr>
@@ -4971,7 +5012,7 @@
             </p:txBody>
           </p:sp>
         </mc:Choice>
-        <mc:Fallback>
+        <mc:Fallback xmlns="">
           <p:sp>
             <p:nvSpPr>
               <p:cNvPr id="8" name="テキスト ボックス 7"/>
@@ -5177,7 +5218,7 @@
               <a:t>縮小率</a:t>
             </a:r>
             <a:r>
-              <a:rPr lang="en-US" altLang="ja-JP" sz="2800" b="1" i="1" dirty="0">
+              <a:rPr lang="en-US" altLang="ja-JP" sz="2800" b="1" i="1" dirty="0" err="1" smtClean="0">
                 <a:solidFill>
                   <a:schemeClr val="accent2"/>
                 </a:solidFill>
@@ -5187,17 +5228,17 @@
               <a:t>a</a:t>
             </a:r>
             <a:r>
-              <a:rPr lang="en-US" altLang="ja-JP" sz="2800" b="1" baseline="-25000" dirty="0">
+              <a:rPr lang="en-US" altLang="ja-JP" sz="2800" b="1" baseline="-25000" dirty="0" err="1" smtClean="0">
                 <a:solidFill>
                   <a:schemeClr val="accent2"/>
                 </a:solidFill>
                 <a:latin typeface="Times New Roman" panose="02020603050405020304" pitchFamily="18" charset="0"/>
                 <a:cs typeface="Times New Roman" panose="02020603050405020304" pitchFamily="18" charset="0"/>
               </a:rPr>
-              <a:t>s</a:t>
-            </a:r>
-            <a:r>
-              <a:rPr lang="en-US" altLang="ja-JP" sz="2800" baseline="-25000" dirty="0">
+              <a:t>S</a:t>
+            </a:r>
+            <a:r>
+              <a:rPr lang="en-US" altLang="ja-JP" sz="2800" baseline="-25000" dirty="0" smtClean="0">
                 <a:latin typeface="Times New Roman" panose="02020603050405020304" pitchFamily="18" charset="0"/>
                 <a:cs typeface="Times New Roman" panose="02020603050405020304" pitchFamily="18" charset="0"/>
               </a:rPr>
@@ -5213,11 +5254,7 @@
             </a:r>
             <a:r>
               <a:rPr lang="en-US" altLang="ja-JP" sz="2800" dirty="0" smtClean="0"/>
-              <a:t>[0.6, 0.8, 1.0, 1.2, 1.4</a:t>
-            </a:r>
-            <a:r>
-              <a:rPr lang="en-US" altLang="ja-JP" sz="2800" dirty="0" smtClean="0"/>
-              <a:t>]</a:t>
+              <a:t>[0.6, 0.8, 1.0, 1.2, 1.4]</a:t>
             </a:r>
             <a:br>
               <a:rPr lang="en-US" altLang="ja-JP" sz="2800" dirty="0" smtClean="0"/>
@@ -6431,16 +6468,16 @@
             <a:p>
               <a:pPr algn="ctr"/>
               <a:r>
-                <a:rPr lang="en-US" altLang="ja-JP" sz="2400" dirty="0" smtClean="0"/>
-                <a:t>0</a:t>
+                <a:rPr lang="en-US" altLang="ja-JP" sz="2400" dirty="0"/>
+                <a:t>1</a:t>
               </a:r>
               <a:r>
                 <a:rPr lang="ja-JP" altLang="en-US" sz="2400" dirty="0" smtClean="0"/>
                 <a:t>→</a:t>
               </a:r>
               <a:r>
-                <a:rPr lang="en-US" altLang="ja-JP" sz="2400" dirty="0" smtClean="0"/>
-                <a:t>1</a:t>
+                <a:rPr lang="en-US" altLang="ja-JP" sz="2400" dirty="0"/>
+                <a:t>0</a:t>
               </a:r>
               <a:r>
                 <a:rPr lang="ja-JP" altLang="en-US" sz="2400" dirty="0" smtClean="0"/>
@@ -6477,22 +6514,21 @@
             <a:p>
               <a:pPr algn="ctr"/>
               <a:r>
-                <a:rPr kumimoji="1" lang="en-US" altLang="ja-JP" sz="2400" dirty="0" smtClean="0"/>
-                <a:t>1</a:t>
+                <a:rPr lang="en-US" altLang="ja-JP" sz="2400" dirty="0"/>
+                <a:t>0</a:t>
               </a:r>
               <a:r>
                 <a:rPr kumimoji="1" lang="ja-JP" altLang="en-US" sz="2400" dirty="0" smtClean="0"/>
                 <a:t>→</a:t>
               </a:r>
               <a:r>
-                <a:rPr kumimoji="1" lang="en-US" altLang="ja-JP" sz="2400" dirty="0" smtClean="0"/>
-                <a:t>0</a:t>
+                <a:rPr lang="en-US" altLang="ja-JP" sz="2400" dirty="0"/>
+                <a:t>1</a:t>
               </a:r>
               <a:r>
                 <a:rPr kumimoji="1" lang="ja-JP" altLang="en-US" sz="2400" dirty="0" smtClean="0"/>
                 <a:t>に変わったビット数</a:t>
               </a:r>
-              <a:endParaRPr kumimoji="1" lang="ja-JP" altLang="en-US" sz="2400" dirty="0" smtClean="0"/>
             </a:p>
           </p:txBody>
         </p:sp>
@@ -6535,18 +6571,18 @@
             <a:p>
               <a:pPr algn="r"/>
               <a:r>
-                <a:rPr lang="en-US" altLang="ja-JP" sz="2200" i="1" dirty="0" smtClean="0">
+                <a:rPr lang="en-US" altLang="ja-JP" sz="2200" i="1" dirty="0" err="1" smtClean="0">
                   <a:latin typeface="Symbol" panose="05050102010706020507" pitchFamily="18" charset="2"/>
                   <a:cs typeface="Times New Roman" panose="02020603050405020304" pitchFamily="18" charset="0"/>
                 </a:rPr>
                 <a:t>a</a:t>
               </a:r>
               <a:r>
-                <a:rPr lang="en-US" altLang="ja-JP" sz="2200" baseline="-25000" dirty="0" smtClean="0">
+                <a:rPr lang="en-US" altLang="ja-JP" sz="2200" baseline="-25000" dirty="0" err="1" smtClean="0">
                   <a:latin typeface="Times New Roman" panose="02020603050405020304" pitchFamily="18" charset="0"/>
                   <a:cs typeface="Times New Roman" panose="02020603050405020304" pitchFamily="18" charset="0"/>
                 </a:rPr>
-                <a:t>s</a:t>
+                <a:t>S</a:t>
               </a:r>
               <a:r>
                 <a:rPr kumimoji="1" lang="en-US" altLang="ja-JP" sz="2200" dirty="0" smtClean="0"/>
@@ -6580,18 +6616,18 @@
             <a:p>
               <a:pPr algn="r"/>
               <a:r>
-                <a:rPr lang="en-US" altLang="ja-JP" sz="2200" i="1" dirty="0" smtClean="0">
+                <a:rPr lang="en-US" altLang="ja-JP" sz="2200" i="1" dirty="0" err="1" smtClean="0">
                   <a:latin typeface="Symbol" panose="05050102010706020507" pitchFamily="18" charset="2"/>
                   <a:cs typeface="Times New Roman" panose="02020603050405020304" pitchFamily="18" charset="0"/>
                 </a:rPr>
                 <a:t>a</a:t>
               </a:r>
               <a:r>
-                <a:rPr lang="en-US" altLang="ja-JP" sz="2200" baseline="-25000" dirty="0" smtClean="0">
+                <a:rPr lang="en-US" altLang="ja-JP" sz="2200" baseline="-25000" dirty="0" err="1" smtClean="0">
                   <a:latin typeface="Times New Roman" panose="02020603050405020304" pitchFamily="18" charset="0"/>
                   <a:cs typeface="Times New Roman" panose="02020603050405020304" pitchFamily="18" charset="0"/>
                 </a:rPr>
-                <a:t>s</a:t>
+                <a:t>S</a:t>
               </a:r>
               <a:r>
                 <a:rPr kumimoji="1" lang="en-US" altLang="ja-JP" sz="2200" dirty="0" smtClean="0"/>
@@ -6625,18 +6661,18 @@
             <a:p>
               <a:pPr algn="r"/>
               <a:r>
-                <a:rPr lang="en-US" altLang="ja-JP" sz="2200" i="1" dirty="0" smtClean="0">
+                <a:rPr lang="en-US" altLang="ja-JP" sz="2200" i="1" dirty="0" err="1" smtClean="0">
                   <a:latin typeface="Symbol" panose="05050102010706020507" pitchFamily="18" charset="2"/>
                   <a:cs typeface="Times New Roman" panose="02020603050405020304" pitchFamily="18" charset="0"/>
                 </a:rPr>
                 <a:t>a</a:t>
               </a:r>
               <a:r>
-                <a:rPr lang="en-US" altLang="ja-JP" sz="2200" baseline="-25000" dirty="0" smtClean="0">
+                <a:rPr lang="en-US" altLang="ja-JP" sz="2200" baseline="-25000" dirty="0" err="1" smtClean="0">
                   <a:latin typeface="Times New Roman" panose="02020603050405020304" pitchFamily="18" charset="0"/>
                   <a:cs typeface="Times New Roman" panose="02020603050405020304" pitchFamily="18" charset="0"/>
                 </a:rPr>
-                <a:t>s</a:t>
+                <a:t>S</a:t>
               </a:r>
               <a:r>
                 <a:rPr kumimoji="1" lang="en-US" altLang="ja-JP" sz="2200" dirty="0" smtClean="0"/>
@@ -6670,18 +6706,18 @@
             <a:p>
               <a:pPr algn="r"/>
               <a:r>
-                <a:rPr lang="en-US" altLang="ja-JP" sz="2200" i="1" dirty="0" smtClean="0">
+                <a:rPr lang="en-US" altLang="ja-JP" sz="2200" i="1" dirty="0" err="1" smtClean="0">
                   <a:latin typeface="Symbol" panose="05050102010706020507" pitchFamily="18" charset="2"/>
                   <a:cs typeface="Times New Roman" panose="02020603050405020304" pitchFamily="18" charset="0"/>
                 </a:rPr>
                 <a:t>a</a:t>
               </a:r>
               <a:r>
-                <a:rPr lang="en-US" altLang="ja-JP" sz="2200" baseline="-25000" dirty="0" smtClean="0">
+                <a:rPr lang="en-US" altLang="ja-JP" sz="2200" baseline="-25000" dirty="0" err="1" smtClean="0">
                   <a:latin typeface="Times New Roman" panose="02020603050405020304" pitchFamily="18" charset="0"/>
                   <a:cs typeface="Times New Roman" panose="02020603050405020304" pitchFamily="18" charset="0"/>
                 </a:rPr>
-                <a:t>s</a:t>
+                <a:t>S</a:t>
               </a:r>
               <a:r>
                 <a:rPr kumimoji="1" lang="en-US" altLang="ja-JP" sz="2200" dirty="0" smtClean="0"/>
@@ -6702,6 +6738,13 @@
   <p:clrMapOvr>
     <a:masterClrMapping/>
   </p:clrMapOvr>
+  <p:timing>
+    <p:tnLst>
+      <p:par>
+        <p:cTn id="1" dur="indefinite" restart="never" nodeType="tmRoot"/>
+      </p:par>
+    </p:tnLst>
+  </p:timing>
 </p:sld>
 </file>
 
@@ -6824,15 +6867,15 @@
               <a:pPr algn="ctr"/>
               <a:r>
                 <a:rPr lang="en-US" altLang="ja-JP" sz="2400" dirty="0" smtClean="0"/>
-                <a:t>0</a:t>
+                <a:t>1</a:t>
               </a:r>
               <a:r>
                 <a:rPr lang="ja-JP" altLang="en-US" sz="2400" dirty="0" smtClean="0"/>
                 <a:t>→</a:t>
               </a:r>
               <a:r>
-                <a:rPr lang="en-US" altLang="ja-JP" sz="2400" dirty="0" smtClean="0"/>
-                <a:t>1</a:t>
+                <a:rPr lang="en-US" altLang="ja-JP" sz="2400" dirty="0"/>
+                <a:t>0</a:t>
               </a:r>
               <a:r>
                 <a:rPr lang="ja-JP" altLang="en-US" sz="2400" dirty="0" smtClean="0"/>
@@ -6869,22 +6912,21 @@
             <a:p>
               <a:pPr algn="ctr"/>
               <a:r>
-                <a:rPr kumimoji="1" lang="en-US" altLang="ja-JP" sz="2400" dirty="0" smtClean="0"/>
-                <a:t>1</a:t>
+                <a:rPr lang="en-US" altLang="ja-JP" sz="2400" dirty="0"/>
+                <a:t>0</a:t>
               </a:r>
               <a:r>
                 <a:rPr kumimoji="1" lang="ja-JP" altLang="en-US" sz="2400" dirty="0" smtClean="0"/>
                 <a:t>→</a:t>
               </a:r>
               <a:r>
-                <a:rPr kumimoji="1" lang="en-US" altLang="ja-JP" sz="2400" dirty="0" smtClean="0"/>
-                <a:t>0</a:t>
+                <a:rPr lang="en-US" altLang="ja-JP" sz="2400" dirty="0"/>
+                <a:t>1</a:t>
               </a:r>
               <a:r>
                 <a:rPr kumimoji="1" lang="ja-JP" altLang="en-US" sz="2400" dirty="0" smtClean="0"/>
                 <a:t>に変わったビット数</a:t>
               </a:r>
-              <a:endParaRPr kumimoji="1" lang="ja-JP" altLang="en-US" sz="2400" dirty="0" smtClean="0"/>
             </a:p>
           </p:txBody>
         </p:sp>
@@ -7209,6 +7251,13 @@
   <p:clrMapOvr>
     <a:masterClrMapping/>
   </p:clrMapOvr>
+  <p:timing>
+    <p:tnLst>
+      <p:par>
+        <p:cTn id="1" dur="indefinite" restart="never" nodeType="tmRoot"/>
+      </p:par>
+    </p:tnLst>
+  </p:timing>
 </p:sld>
 </file>
 
